--- a/Presentation/Technical Approach.pptx
+++ b/Presentation/Technical Approach.pptx
@@ -265,7 +265,7 @@
           <a:p>
             <a:fld id="{F2D7CA45-2FCB-4B2C-86AB-AAF6A6E1EBD1}" type="datetimeFigureOut">
               <a:rPr lang="en-US" smtClean="0"/>
-              <a:t>4/12/2024</a:t>
+              <a:t>4/14/2024</a:t>
             </a:fld>
             <a:endParaRPr lang="en-US"/>
           </a:p>
@@ -463,7 +463,7 @@
           <a:p>
             <a:fld id="{F2D7CA45-2FCB-4B2C-86AB-AAF6A6E1EBD1}" type="datetimeFigureOut">
               <a:rPr lang="en-US" smtClean="0"/>
-              <a:t>4/12/2024</a:t>
+              <a:t>4/14/2024</a:t>
             </a:fld>
             <a:endParaRPr lang="en-US"/>
           </a:p>
@@ -671,7 +671,7 @@
           <a:p>
             <a:fld id="{F2D7CA45-2FCB-4B2C-86AB-AAF6A6E1EBD1}" type="datetimeFigureOut">
               <a:rPr lang="en-US" smtClean="0"/>
-              <a:t>4/12/2024</a:t>
+              <a:t>4/14/2024</a:t>
             </a:fld>
             <a:endParaRPr lang="en-US"/>
           </a:p>
@@ -869,7 +869,7 @@
           <a:p>
             <a:fld id="{F2D7CA45-2FCB-4B2C-86AB-AAF6A6E1EBD1}" type="datetimeFigureOut">
               <a:rPr lang="en-US" smtClean="0"/>
-              <a:t>4/12/2024</a:t>
+              <a:t>4/14/2024</a:t>
             </a:fld>
             <a:endParaRPr lang="en-US"/>
           </a:p>
@@ -1144,7 +1144,7 @@
           <a:p>
             <a:fld id="{F2D7CA45-2FCB-4B2C-86AB-AAF6A6E1EBD1}" type="datetimeFigureOut">
               <a:rPr lang="en-US" smtClean="0"/>
-              <a:t>4/12/2024</a:t>
+              <a:t>4/14/2024</a:t>
             </a:fld>
             <a:endParaRPr lang="en-US"/>
           </a:p>
@@ -1409,7 +1409,7 @@
           <a:p>
             <a:fld id="{F2D7CA45-2FCB-4B2C-86AB-AAF6A6E1EBD1}" type="datetimeFigureOut">
               <a:rPr lang="en-US" smtClean="0"/>
-              <a:t>4/12/2024</a:t>
+              <a:t>4/14/2024</a:t>
             </a:fld>
             <a:endParaRPr lang="en-US"/>
           </a:p>
@@ -1821,7 +1821,7 @@
           <a:p>
             <a:fld id="{F2D7CA45-2FCB-4B2C-86AB-AAF6A6E1EBD1}" type="datetimeFigureOut">
               <a:rPr lang="en-US" smtClean="0"/>
-              <a:t>4/12/2024</a:t>
+              <a:t>4/14/2024</a:t>
             </a:fld>
             <a:endParaRPr lang="en-US"/>
           </a:p>
@@ -1962,7 +1962,7 @@
           <a:p>
             <a:fld id="{F2D7CA45-2FCB-4B2C-86AB-AAF6A6E1EBD1}" type="datetimeFigureOut">
               <a:rPr lang="en-US" smtClean="0"/>
-              <a:t>4/12/2024</a:t>
+              <a:t>4/14/2024</a:t>
             </a:fld>
             <a:endParaRPr lang="en-US"/>
           </a:p>
@@ -2075,7 +2075,7 @@
           <a:p>
             <a:fld id="{F2D7CA45-2FCB-4B2C-86AB-AAF6A6E1EBD1}" type="datetimeFigureOut">
               <a:rPr lang="en-US" smtClean="0"/>
-              <a:t>4/12/2024</a:t>
+              <a:t>4/14/2024</a:t>
             </a:fld>
             <a:endParaRPr lang="en-US"/>
           </a:p>
@@ -2386,7 +2386,7 @@
           <a:p>
             <a:fld id="{F2D7CA45-2FCB-4B2C-86AB-AAF6A6E1EBD1}" type="datetimeFigureOut">
               <a:rPr lang="en-US" smtClean="0"/>
-              <a:t>4/12/2024</a:t>
+              <a:t>4/14/2024</a:t>
             </a:fld>
             <a:endParaRPr lang="en-US"/>
           </a:p>
@@ -2674,7 +2674,7 @@
           <a:p>
             <a:fld id="{F2D7CA45-2FCB-4B2C-86AB-AAF6A6E1EBD1}" type="datetimeFigureOut">
               <a:rPr lang="en-US" smtClean="0"/>
-              <a:t>4/12/2024</a:t>
+              <a:t>4/14/2024</a:t>
             </a:fld>
             <a:endParaRPr lang="en-US"/>
           </a:p>
@@ -2915,7 +2915,7 @@
           <a:p>
             <a:fld id="{F2D7CA45-2FCB-4B2C-86AB-AAF6A6E1EBD1}" type="datetimeFigureOut">
               <a:rPr lang="en-US" smtClean="0"/>
-              <a:t>4/12/2024</a:t>
+              <a:t>4/14/2024</a:t>
             </a:fld>
             <a:endParaRPr lang="en-US"/>
           </a:p>
@@ -3831,15 +3831,7 @@
           <a:p>
             <a:r>
               <a:rPr lang="en-US" dirty="0"/>
-              <a:t>Rule Associations using </a:t>
-            </a:r>
-            <a:r>
-              <a:rPr lang="en-US" dirty="0" err="1"/>
-              <a:t>fp</a:t>
-            </a:r>
-            <a:r>
-              <a:rPr lang="en-US" dirty="0"/>
-              <a:t>-growth</a:t>
+              <a:t>Rule Associations Using FP-Growth</a:t>
             </a:r>
           </a:p>
         </p:txBody>
@@ -3977,7 +3969,7 @@
           <a:p>
             <a:r>
               <a:rPr lang="en-US" dirty="0"/>
-              <a:t>Issues with this approach</a:t>
+              <a:t>Issues With This Approach</a:t>
             </a:r>
           </a:p>
         </p:txBody>
@@ -4102,8 +4094,21 @@
           <a:p>
             <a:r>
               <a:rPr lang="en-US" dirty="0"/>
-              <a:t>Summary of solution approach</a:t>
-            </a:r>
+              <a:t>Summary </a:t>
+            </a:r>
+            <a:r>
+              <a:rPr lang="en-US"/>
+              <a:t>of Solution </a:t>
+            </a:r>
+            <a:r>
+              <a:rPr lang="en-US" dirty="0"/>
+              <a:t>A</a:t>
+            </a:r>
+            <a:r>
+              <a:rPr lang="en-US"/>
+              <a:t>pproach</a:t>
+            </a:r>
+            <a:endParaRPr lang="en-US" dirty="0"/>
           </a:p>
         </p:txBody>
       </p:sp>
